--- a/Slides/040513_CNN.pptx
+++ b/Slides/040513_CNN.pptx
@@ -5,7 +5,7 @@
     <p:sldMasterId id="2147483648" r:id="rId1"/>
   </p:sldMasterIdLst>
   <p:notesMasterIdLst>
-    <p:notesMasterId r:id="rId10"/>
+    <p:notesMasterId r:id="rId11"/>
   </p:notesMasterIdLst>
   <p:sldIdLst>
     <p:sldId id="260" r:id="rId2"/>
@@ -16,6 +16,7 @@
     <p:sldId id="262" r:id="rId7"/>
     <p:sldId id="264" r:id="rId8"/>
     <p:sldId id="263" r:id="rId9"/>
+    <p:sldId id="265" r:id="rId10"/>
   </p:sldIdLst>
   <p:sldSz cx="12192000" cy="6858000"/>
   <p:notesSz cx="6858000" cy="9144000"/>
@@ -6750,6 +6751,14 @@
               <a:rPr lang="en-US" altLang="zh-TW" dirty="0"/>
               <a:t>2024/05/06</a:t>
             </a:r>
+            <a:r>
+              <a:rPr lang="zh-TW" altLang="en-US" dirty="0"/>
+              <a:t> </a:t>
+            </a:r>
+            <a:r>
+              <a:rPr lang="en-US" altLang="zh-TW" dirty="0"/>
+              <a:t>~2024/05/14</a:t>
+            </a:r>
             <a:endParaRPr lang="zh-TW" altLang="en-US" dirty="0"/>
           </a:p>
         </p:txBody>
@@ -8931,6 +8940,572 @@
     <p:extLst>
       <p:ext uri="{BB962C8B-B14F-4D97-AF65-F5344CB8AC3E}">
         <p14:creationId xmlns:p14="http://schemas.microsoft.com/office/powerpoint/2010/main" val="195816658"/>
+      </p:ext>
+    </p:extLst>
+  </p:cSld>
+  <p:clrMapOvr>
+    <a:masterClrMapping/>
+  </p:clrMapOvr>
+</p:sld>
+</file>
+
+<file path=ppt/slides/slide9.xml><?xml version="1.0" encoding="utf-8"?>
+<p:sld xmlns:a="http://schemas.openxmlformats.org/drawingml/2006/main" xmlns:r="http://schemas.openxmlformats.org/officeDocument/2006/relationships" xmlns:p="http://schemas.openxmlformats.org/presentationml/2006/main">
+  <p:cSld>
+    <p:spTree>
+      <p:nvGrpSpPr>
+        <p:cNvPr id="1" name=""/>
+        <p:cNvGrpSpPr/>
+        <p:nvPr/>
+      </p:nvGrpSpPr>
+      <p:grpSpPr>
+        <a:xfrm>
+          <a:off x="0" y="0"/>
+          <a:ext cx="0" cy="0"/>
+          <a:chOff x="0" y="0"/>
+          <a:chExt cx="0" cy="0"/>
+        </a:xfrm>
+      </p:grpSpPr>
+      <p:sp>
+        <p:nvSpPr>
+          <p:cNvPr id="2" name="標題 1">
+            <a:extLst>
+              <a:ext uri="{FF2B5EF4-FFF2-40B4-BE49-F238E27FC236}">
+                <a16:creationId xmlns:a16="http://schemas.microsoft.com/office/drawing/2014/main" id="{94ED168E-DF00-695A-AC03-62B4893BC7DA}"/>
+              </a:ext>
+            </a:extLst>
+          </p:cNvPr>
+          <p:cNvSpPr>
+            <a:spLocks noGrp="1"/>
+          </p:cNvSpPr>
+          <p:nvPr>
+            <p:ph type="title"/>
+          </p:nvPr>
+        </p:nvSpPr>
+        <p:spPr/>
+        <p:txBody>
+          <a:bodyPr/>
+          <a:lstStyle/>
+          <a:p>
+            <a:r>
+              <a:rPr lang="en-US" altLang="zh-TW" dirty="0" err="1"/>
+              <a:t>os.path.join</a:t>
+            </a:r>
+            <a:endParaRPr lang="zh-TW" altLang="en-US" dirty="0"/>
+          </a:p>
+        </p:txBody>
+      </p:sp>
+      <p:sp>
+        <p:nvSpPr>
+          <p:cNvPr id="3" name="內容版面配置區 2">
+            <a:extLst>
+              <a:ext uri="{FF2B5EF4-FFF2-40B4-BE49-F238E27FC236}">
+                <a16:creationId xmlns:a16="http://schemas.microsoft.com/office/drawing/2014/main" id="{E678746D-6CE3-9B29-697B-A9F4D12C0D6B}"/>
+              </a:ext>
+            </a:extLst>
+          </p:cNvPr>
+          <p:cNvSpPr>
+            <a:spLocks noGrp="1"/>
+          </p:cNvSpPr>
+          <p:nvPr>
+            <p:ph idx="1"/>
+          </p:nvPr>
+        </p:nvSpPr>
+        <p:spPr/>
+        <p:txBody>
+          <a:bodyPr/>
+          <a:lstStyle/>
+          <a:p>
+            <a:pPr marL="0" indent="0" algn="ctr">
+              <a:buNone/>
+            </a:pPr>
+            <a:r>
+              <a:rPr lang="en-US" altLang="zh-TW" dirty="0" err="1"/>
+              <a:t>test_path</a:t>
+            </a:r>
+            <a:r>
+              <a:rPr lang="en-US" altLang="zh-TW" dirty="0"/>
+              <a:t> = dataset + '</a:t>
+            </a:r>
+            <a:r>
+              <a:rPr lang="en-US" altLang="zh-TW" dirty="0" err="1"/>
+              <a:t>train_image</a:t>
+            </a:r>
+            <a:r>
+              <a:rPr lang="en-US" altLang="zh-TW" dirty="0"/>
+              <a:t>’ </a:t>
+            </a:r>
+          </a:p>
+          <a:p>
+            <a:pPr marL="0" indent="0" algn="ctr">
+              <a:buNone/>
+            </a:pPr>
+            <a:r>
+              <a:rPr lang="en-US" altLang="zh-TW" dirty="0"/>
+              <a:t>Vs</a:t>
+            </a:r>
+          </a:p>
+          <a:p>
+            <a:pPr marL="0" indent="0" algn="ctr">
+              <a:buNone/>
+            </a:pPr>
+            <a:r>
+              <a:rPr lang="en-US" altLang="zh-TW" dirty="0" err="1"/>
+              <a:t>image_name</a:t>
+            </a:r>
+            <a:r>
+              <a:rPr lang="en-US" altLang="zh-TW" dirty="0"/>
+              <a:t>= '</a:t>
+            </a:r>
+            <a:r>
+              <a:rPr lang="en-US" altLang="zh-TW" dirty="0" err="1"/>
+              <a:t>train_image</a:t>
+            </a:r>
+            <a:r>
+              <a:rPr lang="en-US" altLang="zh-TW" dirty="0"/>
+              <a:t>’ </a:t>
+            </a:r>
+          </a:p>
+          <a:p>
+            <a:pPr marL="0" indent="0" algn="ctr">
+              <a:buNone/>
+            </a:pPr>
+            <a:r>
+              <a:rPr lang="en-US" altLang="zh-TW" dirty="0"/>
+              <a:t> </a:t>
+            </a:r>
+            <a:r>
+              <a:rPr lang="en-US" altLang="zh-TW" dirty="0" err="1"/>
+              <a:t>test_path</a:t>
+            </a:r>
+            <a:r>
+              <a:rPr lang="en-US" altLang="zh-TW" dirty="0"/>
+              <a:t> = </a:t>
+            </a:r>
+            <a:r>
+              <a:rPr lang="en-US" altLang="zh-TW" dirty="0" err="1"/>
+              <a:t>os.path.join</a:t>
+            </a:r>
+            <a:r>
+              <a:rPr lang="en-US" altLang="zh-TW" dirty="0"/>
+              <a:t>(dataset, </a:t>
+            </a:r>
+            <a:r>
+              <a:rPr lang="en-US" altLang="zh-TW" dirty="0" err="1"/>
+              <a:t>image_name</a:t>
+            </a:r>
+            <a:r>
+              <a:rPr lang="en-US" altLang="zh-TW" dirty="0"/>
+              <a:t>)</a:t>
+            </a:r>
+            <a:endParaRPr lang="zh-TW" altLang="en-US" dirty="0"/>
+          </a:p>
+        </p:txBody>
+      </p:sp>
+      <p:sp>
+        <p:nvSpPr>
+          <p:cNvPr id="4" name="Rectangle 1">
+            <a:extLst>
+              <a:ext uri="{FF2B5EF4-FFF2-40B4-BE49-F238E27FC236}">
+                <a16:creationId xmlns:a16="http://schemas.microsoft.com/office/drawing/2014/main" id="{72B018AE-EE55-2461-9002-6D8B0A1740C5}"/>
+              </a:ext>
+            </a:extLst>
+          </p:cNvPr>
+          <p:cNvSpPr>
+            <a:spLocks noChangeArrowheads="1"/>
+          </p:cNvSpPr>
+          <p:nvPr/>
+        </p:nvSpPr>
+        <p:spPr bwMode="auto">
+          <a:xfrm rot="10800000" flipV="1">
+            <a:off x="978694" y="4091570"/>
+            <a:ext cx="9822656" cy="2339617"/>
+          </a:xfrm>
+          <a:prstGeom prst="rect">
+            <a:avLst/>
+          </a:prstGeom>
+          <a:solidFill>
+            <a:schemeClr val="bg1"/>
+          </a:solidFill>
+          <a:ln>
+            <a:noFill/>
+          </a:ln>
+          <a:effectLst/>
+        </p:spPr>
+        <p:txBody>
+          <a:bodyPr vert="horz" wrap="square" lIns="0" tIns="198375" rIns="0" bIns="198375" numCol="1" anchor="ctr" anchorCtr="0" compatLnSpc="1">
+            <a:prstTxWarp prst="textNoShape">
+              <a:avLst/>
+            </a:prstTxWarp>
+            <a:spAutoFit/>
+          </a:bodyPr>
+          <a:lstStyle/>
+          <a:p>
+            <a:pPr marL="285750" marR="0" lvl="0" indent="-285750" algn="l" defTabSz="914400" rtl="0" eaLnBrk="0" fontAlgn="base" latinLnBrk="0" hangingPunct="0">
+              <a:lnSpc>
+                <a:spcPct val="100000"/>
+              </a:lnSpc>
+              <a:spcBef>
+                <a:spcPct val="0"/>
+              </a:spcBef>
+              <a:spcAft>
+                <a:spcPct val="0"/>
+              </a:spcAft>
+              <a:buClrTx/>
+              <a:buSzTx/>
+              <a:buFont typeface="Arial" panose="020B0604020202020204" pitchFamily="34" charset="0"/>
+              <a:buChar char="•"/>
+              <a:tabLst/>
+            </a:pPr>
+            <a:endParaRPr kumimoji="0" lang="zh-TW" altLang="zh-TW" b="0" i="0" u="none" strike="noStrike" cap="none" normalizeH="0" baseline="0" dirty="0">
+              <a:ln>
+                <a:noFill/>
+              </a:ln>
+              <a:solidFill>
+                <a:schemeClr val="tx1"/>
+              </a:solidFill>
+              <a:effectLst/>
+              <a:latin typeface="Arial" panose="020B0604020202020204" pitchFamily="34" charset="0"/>
+            </a:endParaRPr>
+          </a:p>
+          <a:p>
+            <a:pPr marL="0" marR="0" lvl="0" indent="0" algn="l" defTabSz="914400" rtl="0" eaLnBrk="0" fontAlgn="base" latinLnBrk="0" hangingPunct="0">
+              <a:lnSpc>
+                <a:spcPct val="100000"/>
+              </a:lnSpc>
+              <a:spcBef>
+                <a:spcPct val="0"/>
+              </a:spcBef>
+              <a:spcAft>
+                <a:spcPct val="0"/>
+              </a:spcAft>
+              <a:buClrTx/>
+              <a:buSzTx/>
+              <a:buFontTx/>
+              <a:buChar char="•"/>
+              <a:tabLst/>
+            </a:pPr>
+            <a:r>
+              <a:rPr kumimoji="0" lang="zh-TW" altLang="zh-TW" b="1" i="0" u="none" strike="noStrike" cap="none" normalizeH="0" baseline="0" dirty="0">
+                <a:ln>
+                  <a:noFill/>
+                </a:ln>
+                <a:solidFill>
+                  <a:srgbClr val="0D0D0D"/>
+                </a:solidFill>
+                <a:effectLst/>
+                <a:latin typeface="Arial" panose="020B0604020202020204" pitchFamily="34" charset="0"/>
+                <a:ea typeface="Söhne"/>
+              </a:rPr>
+              <a:t>平台依賴性</a:t>
+            </a:r>
+            <a:r>
+              <a:rPr kumimoji="0" lang="zh-TW" altLang="zh-TW" b="0" i="0" u="none" strike="noStrike" cap="none" normalizeH="0" baseline="0" dirty="0">
+                <a:ln>
+                  <a:noFill/>
+                </a:ln>
+                <a:solidFill>
+                  <a:srgbClr val="0D0D0D"/>
+                </a:solidFill>
+                <a:effectLst/>
+                <a:latin typeface="Arial" panose="020B0604020202020204" pitchFamily="34" charset="0"/>
+                <a:ea typeface="Söhne"/>
+              </a:rPr>
+              <a:t>：不同的作業系統可能使用不同的路徑分隔符（Windows 使用 </a:t>
+            </a:r>
+            <a:r>
+              <a:rPr kumimoji="0" lang="zh-TW" altLang="zh-TW" b="1" i="0" u="none" strike="noStrike" cap="none" normalizeH="0" baseline="0" dirty="0">
+                <a:ln>
+                  <a:noFill/>
+                </a:ln>
+                <a:solidFill>
+                  <a:srgbClr val="0D0D0D"/>
+                </a:solidFill>
+                <a:effectLst/>
+                <a:latin typeface="Arial Unicode MS"/>
+                <a:ea typeface="Söhne Mono"/>
+              </a:rPr>
+              <a:t>\</a:t>
+            </a:r>
+            <a:r>
+              <a:rPr kumimoji="0" lang="zh-TW" altLang="zh-TW" b="0" i="0" u="none" strike="noStrike" cap="none" normalizeH="0" baseline="0" dirty="0">
+                <a:ln>
+                  <a:noFill/>
+                </a:ln>
+                <a:solidFill>
+                  <a:srgbClr val="0D0D0D"/>
+                </a:solidFill>
+                <a:effectLst/>
+                <a:ea typeface="Söhne"/>
+              </a:rPr>
+              <a:t>，而 UNIX/Linux 使用 </a:t>
+            </a:r>
+            <a:r>
+              <a:rPr kumimoji="0" lang="zh-TW" altLang="zh-TW" b="1" i="0" u="none" strike="noStrike" cap="none" normalizeH="0" baseline="0" dirty="0">
+                <a:ln>
+                  <a:noFill/>
+                </a:ln>
+                <a:solidFill>
+                  <a:srgbClr val="0D0D0D"/>
+                </a:solidFill>
+                <a:effectLst/>
+                <a:latin typeface="Arial Unicode MS"/>
+                <a:ea typeface="Söhne Mono"/>
+              </a:rPr>
+              <a:t>/</a:t>
+            </a:r>
+            <a:r>
+              <a:rPr kumimoji="0" lang="zh-TW" altLang="zh-TW" b="0" i="0" u="none" strike="noStrike" cap="none" normalizeH="0" baseline="0" dirty="0">
+                <a:ln>
+                  <a:noFill/>
+                </a:ln>
+                <a:solidFill>
+                  <a:srgbClr val="0D0D0D"/>
+                </a:solidFill>
+                <a:effectLst/>
+                <a:ea typeface="Söhne"/>
+              </a:rPr>
+              <a:t>）。直接使用 </a:t>
+            </a:r>
+            <a:r>
+              <a:rPr kumimoji="0" lang="zh-TW" altLang="zh-TW" b="1" i="0" u="none" strike="noStrike" cap="none" normalizeH="0" baseline="0" dirty="0">
+                <a:ln>
+                  <a:noFill/>
+                </a:ln>
+                <a:solidFill>
+                  <a:srgbClr val="0D0D0D"/>
+                </a:solidFill>
+                <a:effectLst/>
+                <a:latin typeface="Arial Unicode MS"/>
+                <a:ea typeface="Söhne Mono"/>
+              </a:rPr>
+              <a:t>+</a:t>
+            </a:r>
+            <a:r>
+              <a:rPr kumimoji="0" lang="zh-TW" altLang="zh-TW" b="0" i="0" u="none" strike="noStrike" cap="none" normalizeH="0" baseline="0" dirty="0">
+                <a:ln>
+                  <a:noFill/>
+                </a:ln>
+                <a:solidFill>
+                  <a:srgbClr val="0D0D0D"/>
+                </a:solidFill>
+                <a:effectLst/>
+                <a:ea typeface="Söhne"/>
+              </a:rPr>
+              <a:t> 可能會導致在不同作業系統上出現錯誤。</a:t>
+            </a:r>
+            <a:endParaRPr kumimoji="0" lang="en-US" altLang="zh-TW" b="0" i="0" u="none" strike="noStrike" cap="none" normalizeH="0" baseline="0" dirty="0">
+              <a:ln>
+                <a:noFill/>
+              </a:ln>
+              <a:solidFill>
+                <a:srgbClr val="0D0D0D"/>
+              </a:solidFill>
+              <a:effectLst/>
+              <a:ea typeface="Söhne"/>
+            </a:endParaRPr>
+          </a:p>
+          <a:p>
+            <a:pPr marL="0" marR="0" lvl="0" indent="0" algn="l" defTabSz="914400" rtl="0" eaLnBrk="0" fontAlgn="base" latinLnBrk="0" hangingPunct="0">
+              <a:lnSpc>
+                <a:spcPct val="100000"/>
+              </a:lnSpc>
+              <a:spcBef>
+                <a:spcPct val="0"/>
+              </a:spcBef>
+              <a:spcAft>
+                <a:spcPct val="0"/>
+              </a:spcAft>
+              <a:buClrTx/>
+              <a:buSzTx/>
+              <a:buFontTx/>
+              <a:buChar char="•"/>
+              <a:tabLst/>
+            </a:pPr>
+            <a:endParaRPr kumimoji="0" lang="zh-TW" altLang="zh-TW" b="0" i="0" u="none" strike="noStrike" cap="none" normalizeH="0" baseline="0" dirty="0">
+              <a:ln>
+                <a:noFill/>
+              </a:ln>
+              <a:solidFill>
+                <a:srgbClr val="0D0D0D"/>
+              </a:solidFill>
+              <a:effectLst/>
+              <a:latin typeface="Arial" panose="020B0604020202020204" pitchFamily="34" charset="0"/>
+              <a:ea typeface="Söhne"/>
+            </a:endParaRPr>
+          </a:p>
+          <a:p>
+            <a:pPr marL="0" marR="0" lvl="0" indent="0" algn="l" defTabSz="914400" rtl="0" eaLnBrk="0" fontAlgn="base" latinLnBrk="0" hangingPunct="0">
+              <a:lnSpc>
+                <a:spcPct val="100000"/>
+              </a:lnSpc>
+              <a:spcBef>
+                <a:spcPct val="0"/>
+              </a:spcBef>
+              <a:spcAft>
+                <a:spcPct val="0"/>
+              </a:spcAft>
+              <a:buClrTx/>
+              <a:buSzTx/>
+              <a:buFontTx/>
+              <a:buChar char="•"/>
+              <a:tabLst/>
+            </a:pPr>
+            <a:r>
+              <a:rPr kumimoji="0" lang="zh-TW" altLang="zh-TW" b="1" i="0" u="none" strike="noStrike" cap="none" normalizeH="0" baseline="0" dirty="0">
+                <a:ln>
+                  <a:noFill/>
+                </a:ln>
+                <a:solidFill>
+                  <a:srgbClr val="0D0D0D"/>
+                </a:solidFill>
+                <a:effectLst/>
+                <a:latin typeface="Arial" panose="020B0604020202020204" pitchFamily="34" charset="0"/>
+                <a:ea typeface="Söhne"/>
+              </a:rPr>
+              <a:t>易錯性</a:t>
+            </a:r>
+            <a:r>
+              <a:rPr kumimoji="0" lang="zh-TW" altLang="zh-TW" b="0" i="0" u="none" strike="noStrike" cap="none" normalizeH="0" baseline="0" dirty="0">
+                <a:ln>
+                  <a:noFill/>
+                </a:ln>
+                <a:solidFill>
+                  <a:srgbClr val="0D0D0D"/>
+                </a:solidFill>
+                <a:effectLst/>
+                <a:latin typeface="Arial" panose="020B0604020202020204" pitchFamily="34" charset="0"/>
+                <a:ea typeface="Söhne"/>
+              </a:rPr>
+              <a:t>：如果忘記在 </a:t>
+            </a:r>
+            <a:r>
+              <a:rPr kumimoji="0" lang="zh-TW" altLang="zh-TW" b="1" i="0" u="none" strike="noStrike" cap="none" normalizeH="0" baseline="0" dirty="0">
+                <a:ln>
+                  <a:noFill/>
+                </a:ln>
+                <a:solidFill>
+                  <a:srgbClr val="0D0D0D"/>
+                </a:solidFill>
+                <a:effectLst/>
+                <a:latin typeface="Arial Unicode MS"/>
+                <a:ea typeface="Söhne Mono"/>
+              </a:rPr>
+              <a:t>dataset</a:t>
+            </a:r>
+            <a:r>
+              <a:rPr kumimoji="0" lang="zh-TW" altLang="zh-TW" b="0" i="0" u="none" strike="noStrike" cap="none" normalizeH="0" baseline="0" dirty="0">
+                <a:ln>
+                  <a:noFill/>
+                </a:ln>
+                <a:solidFill>
+                  <a:srgbClr val="0D0D0D"/>
+                </a:solidFill>
+                <a:effectLst/>
+                <a:ea typeface="Söhne"/>
+              </a:rPr>
+              <a:t> 和 </a:t>
+            </a:r>
+            <a:r>
+              <a:rPr kumimoji="0" lang="zh-TW" altLang="zh-TW" b="1" i="0" u="none" strike="noStrike" cap="none" normalizeH="0" baseline="0" dirty="0">
+                <a:ln>
+                  <a:noFill/>
+                </a:ln>
+                <a:solidFill>
+                  <a:srgbClr val="0D0D0D"/>
+                </a:solidFill>
+                <a:effectLst/>
+                <a:latin typeface="Arial Unicode MS"/>
+                <a:ea typeface="Söhne Mono"/>
+              </a:rPr>
+              <a:t>'train_image'</a:t>
+            </a:r>
+            <a:r>
+              <a:rPr kumimoji="0" lang="zh-TW" altLang="zh-TW" b="0" i="0" u="none" strike="noStrike" cap="none" normalizeH="0" baseline="0" dirty="0">
+                <a:ln>
+                  <a:noFill/>
+                </a:ln>
+                <a:solidFill>
+                  <a:srgbClr val="0D0D0D"/>
+                </a:solidFill>
+                <a:effectLst/>
+                <a:ea typeface="Söhne"/>
+              </a:rPr>
+              <a:t> 之間加上分隔符，或者如果 </a:t>
+            </a:r>
+            <a:r>
+              <a:rPr kumimoji="0" lang="zh-TW" altLang="zh-TW" b="1" i="0" u="none" strike="noStrike" cap="none" normalizeH="0" baseline="0" dirty="0">
+                <a:ln>
+                  <a:noFill/>
+                </a:ln>
+                <a:solidFill>
+                  <a:srgbClr val="0D0D0D"/>
+                </a:solidFill>
+                <a:effectLst/>
+                <a:latin typeface="Arial Unicode MS"/>
+                <a:ea typeface="Söhne Mono"/>
+              </a:rPr>
+              <a:t>dataset</a:t>
+            </a:r>
+            <a:r>
+              <a:rPr kumimoji="0" lang="zh-TW" altLang="zh-TW" b="0" i="0" u="none" strike="noStrike" cap="none" normalizeH="0" baseline="0" dirty="0">
+                <a:ln>
+                  <a:noFill/>
+                </a:ln>
+                <a:solidFill>
+                  <a:srgbClr val="0D0D0D"/>
+                </a:solidFill>
+                <a:effectLst/>
+                <a:ea typeface="Söhne"/>
+              </a:rPr>
+              <a:t> 變量的末尾已經有了一個分隔符，這種方法可能會導致路徑錯誤。</a:t>
+            </a:r>
+            <a:endParaRPr kumimoji="0" lang="zh-TW" altLang="zh-TW" b="0" i="0" u="none" strike="noStrike" cap="none" normalizeH="0" baseline="0" dirty="0">
+              <a:ln>
+                <a:noFill/>
+              </a:ln>
+              <a:solidFill>
+                <a:srgbClr val="0D0D0D"/>
+              </a:solidFill>
+              <a:effectLst/>
+              <a:latin typeface="Arial" panose="020B0604020202020204" pitchFamily="34" charset="0"/>
+              <a:ea typeface="Söhne"/>
+            </a:endParaRPr>
+          </a:p>
+          <a:p>
+            <a:pPr marL="285750" marR="0" lvl="0" indent="-285750" algn="l" defTabSz="914400" rtl="0" eaLnBrk="0" fontAlgn="base" latinLnBrk="0" hangingPunct="0">
+              <a:lnSpc>
+                <a:spcPct val="100000"/>
+              </a:lnSpc>
+              <a:spcBef>
+                <a:spcPct val="0"/>
+              </a:spcBef>
+              <a:spcAft>
+                <a:spcPct val="0"/>
+              </a:spcAft>
+              <a:buClrTx/>
+              <a:buSzTx/>
+              <a:buFont typeface="Arial" panose="020B0604020202020204" pitchFamily="34" charset="0"/>
+              <a:buChar char="•"/>
+              <a:tabLst/>
+            </a:pPr>
+            <a:endParaRPr kumimoji="0" lang="zh-TW" altLang="zh-TW" b="0" i="0" u="none" strike="noStrike" cap="none" normalizeH="0" baseline="0" dirty="0">
+              <a:ln>
+                <a:noFill/>
+              </a:ln>
+              <a:solidFill>
+                <a:schemeClr val="tx1"/>
+              </a:solidFill>
+              <a:effectLst/>
+              <a:latin typeface="Arial" panose="020B0604020202020204" pitchFamily="34" charset="0"/>
+            </a:endParaRPr>
+          </a:p>
+        </p:txBody>
+      </p:sp>
+    </p:spTree>
+    <p:extLst>
+      <p:ext uri="{BB962C8B-B14F-4D97-AF65-F5344CB8AC3E}">
+        <p14:creationId xmlns:p14="http://schemas.microsoft.com/office/powerpoint/2010/main" val="1573804726"/>
       </p:ext>
     </p:extLst>
   </p:cSld>

--- a/Slides/040513_CNN.pptx
+++ b/Slides/040513_CNN.pptx
@@ -8936,6 +8936,41 @@
           </a:p>
         </p:txBody>
       </p:sp>
+      <p:sp>
+        <p:nvSpPr>
+          <p:cNvPr id="3" name="文字方塊 2">
+            <a:extLst>
+              <a:ext uri="{FF2B5EF4-FFF2-40B4-BE49-F238E27FC236}">
+                <a16:creationId xmlns:a16="http://schemas.microsoft.com/office/drawing/2014/main" id="{1A48713B-BF0B-5F5A-BE59-5871E644FD64}"/>
+              </a:ext>
+            </a:extLst>
+          </p:cNvPr>
+          <p:cNvSpPr txBox="1"/>
+          <p:nvPr/>
+        </p:nvSpPr>
+        <p:spPr>
+          <a:xfrm>
+            <a:off x="732126" y="6488668"/>
+            <a:ext cx="6096000" cy="369332"/>
+          </a:xfrm>
+          <a:prstGeom prst="rect">
+            <a:avLst/>
+          </a:prstGeom>
+          <a:noFill/>
+        </p:spPr>
+        <p:txBody>
+          <a:bodyPr wrap="square">
+            <a:spAutoFit/>
+          </a:bodyPr>
+          <a:lstStyle/>
+          <a:p>
+            <a:r>
+              <a:rPr lang="zh-TW" altLang="en-US" dirty="0"/>
+              <a:t>https://keras.io/api/callbacks/model_checkpoint/</a:t>
+            </a:r>
+          </a:p>
+        </p:txBody>
+      </p:sp>
     </p:spTree>
     <p:extLst>
       <p:ext uri="{BB962C8B-B14F-4D97-AF65-F5344CB8AC3E}">
